--- a/Slides/11. Strings.pptx
+++ b/Slides/11. Strings.pptx
@@ -165,7 +165,7 @@
 <file path=ppt/revisionInfo.xml><?xml version="1.0" encoding="utf-8"?>
 <p1510:revInfo xmlns:a="http://schemas.openxmlformats.org/drawingml/2006/main" xmlns:r="http://schemas.openxmlformats.org/officeDocument/2006/relationships" xmlns:p1510="http://schemas.microsoft.com/office/powerpoint/2015/10/main">
   <p1510:revLst>
-    <p1510:client id="{04F90082-967E-40C4-B2B0-5F101E1E5194}" v="24" dt="2019-10-28T23:27:11.836"/>
+    <p1510:client id="{50DF8BEF-96C7-4107-87C6-B920BC986B4C}" v="13" dt="2021-04-08T06:43:55.389"/>
   </p1510:revLst>
 </p1510:revInfo>
 </file>
@@ -1702,9 +1702,6 @@
     </pc:docChg>
   </pc:docChgLst>
   <pc:docChgLst>
-    <pc:chgData name="Judson Santiago" userId="ebb108da2f256286" providerId="LiveId" clId="{8FAC6D54-E191-419F-A5E5-6A28DBABE5B5}"/>
-  </pc:docChgLst>
-  <pc:docChgLst>
     <pc:chgData name="Judson Santiago" userId="ebb108da2f256286" providerId="LiveId" clId="{3DB3F6B9-4D1D-4494-958F-693E60764E0B}"/>
     <pc:docChg chg="undo custSel addSld delSld modSld">
       <pc:chgData name="Judson Santiago" userId="ebb108da2f256286" providerId="LiveId" clId="{3DB3F6B9-4D1D-4494-958F-693E60764E0B}" dt="2019-09-05T19:09:17.064" v="1348" actId="20577"/>
@@ -2749,6 +2746,256 @@
       </pc:sldChg>
     </pc:docChg>
   </pc:docChgLst>
+  <pc:docChgLst>
+    <pc:chgData name="Judson Santiago" userId="ebb108da2f256286" providerId="LiveId" clId="{50DF8BEF-96C7-4107-87C6-B920BC986B4C}"/>
+    <pc:docChg chg="custSel modSld modMainMaster">
+      <pc:chgData name="Judson Santiago" userId="ebb108da2f256286" providerId="LiveId" clId="{50DF8BEF-96C7-4107-87C6-B920BC986B4C}" dt="2021-04-08T06:44:31.040" v="189" actId="207"/>
+      <pc:docMkLst>
+        <pc:docMk/>
+      </pc:docMkLst>
+      <pc:sldChg chg="modNotesTx">
+        <pc:chgData name="Judson Santiago" userId="ebb108da2f256286" providerId="LiveId" clId="{50DF8BEF-96C7-4107-87C6-B920BC986B4C}" dt="2021-04-08T04:08:37.031" v="28" actId="20577"/>
+        <pc:sldMkLst>
+          <pc:docMk/>
+          <pc:sldMk cId="0" sldId="275"/>
+        </pc:sldMkLst>
+      </pc:sldChg>
+      <pc:sldChg chg="addSp modSp mod">
+        <pc:chgData name="Judson Santiago" userId="ebb108da2f256286" providerId="LiveId" clId="{50DF8BEF-96C7-4107-87C6-B920BC986B4C}" dt="2021-04-08T06:26:00.692" v="69" actId="20577"/>
+        <pc:sldMkLst>
+          <pc:docMk/>
+          <pc:sldMk cId="0" sldId="280"/>
+        </pc:sldMkLst>
+        <pc:spChg chg="add mod">
+          <ac:chgData name="Judson Santiago" userId="ebb108da2f256286" providerId="LiveId" clId="{50DF8BEF-96C7-4107-87C6-B920BC986B4C}" dt="2021-04-08T06:26:00.692" v="69" actId="20577"/>
+          <ac:spMkLst>
+            <pc:docMk/>
+            <pc:sldMk cId="0" sldId="280"/>
+            <ac:spMk id="5" creationId="{4EB0A6F8-619D-4301-8717-26F368E65C7E}"/>
+          </ac:spMkLst>
+        </pc:spChg>
+      </pc:sldChg>
+      <pc:sldChg chg="addSp modSp mod">
+        <pc:chgData name="Judson Santiago" userId="ebb108da2f256286" providerId="LiveId" clId="{50DF8BEF-96C7-4107-87C6-B920BC986B4C}" dt="2021-04-08T06:30:08.284" v="76" actId="20577"/>
+        <pc:sldMkLst>
+          <pc:docMk/>
+          <pc:sldMk cId="0" sldId="282"/>
+        </pc:sldMkLst>
+        <pc:spChg chg="add mod">
+          <ac:chgData name="Judson Santiago" userId="ebb108da2f256286" providerId="LiveId" clId="{50DF8BEF-96C7-4107-87C6-B920BC986B4C}" dt="2021-04-08T06:30:08.284" v="76" actId="20577"/>
+          <ac:spMkLst>
+            <pc:docMk/>
+            <pc:sldMk cId="0" sldId="282"/>
+            <ac:spMk id="5" creationId="{F0831746-3CA2-40B8-900F-0540054EEF34}"/>
+          </ac:spMkLst>
+        </pc:spChg>
+      </pc:sldChg>
+      <pc:sldChg chg="addSp modSp mod">
+        <pc:chgData name="Judson Santiago" userId="ebb108da2f256286" providerId="LiveId" clId="{50DF8BEF-96C7-4107-87C6-B920BC986B4C}" dt="2021-04-08T06:30:01.916" v="72" actId="20577"/>
+        <pc:sldMkLst>
+          <pc:docMk/>
+          <pc:sldMk cId="0" sldId="285"/>
+        </pc:sldMkLst>
+        <pc:spChg chg="add mod">
+          <ac:chgData name="Judson Santiago" userId="ebb108da2f256286" providerId="LiveId" clId="{50DF8BEF-96C7-4107-87C6-B920BC986B4C}" dt="2021-04-08T06:30:01.916" v="72" actId="20577"/>
+          <ac:spMkLst>
+            <pc:docMk/>
+            <pc:sldMk cId="0" sldId="285"/>
+            <ac:spMk id="5" creationId="{B54A142B-18E8-4834-92C4-68F5815F596A}"/>
+          </ac:spMkLst>
+        </pc:spChg>
+      </pc:sldChg>
+      <pc:sldChg chg="addSp modSp mod">
+        <pc:chgData name="Judson Santiago" userId="ebb108da2f256286" providerId="LiveId" clId="{50DF8BEF-96C7-4107-87C6-B920BC986B4C}" dt="2021-04-08T06:31:15.459" v="81" actId="20577"/>
+        <pc:sldMkLst>
+          <pc:docMk/>
+          <pc:sldMk cId="0" sldId="287"/>
+        </pc:sldMkLst>
+        <pc:spChg chg="add mod">
+          <ac:chgData name="Judson Santiago" userId="ebb108da2f256286" providerId="LiveId" clId="{50DF8BEF-96C7-4107-87C6-B920BC986B4C}" dt="2021-04-08T06:31:15.459" v="81" actId="20577"/>
+          <ac:spMkLst>
+            <pc:docMk/>
+            <pc:sldMk cId="0" sldId="287"/>
+            <ac:spMk id="5" creationId="{53ACA092-E186-43F3-AF49-F19B9D58AF1A}"/>
+          </ac:spMkLst>
+        </pc:spChg>
+      </pc:sldChg>
+      <pc:sldChg chg="addSp modSp mod">
+        <pc:chgData name="Judson Santiago" userId="ebb108da2f256286" providerId="LiveId" clId="{50DF8BEF-96C7-4107-87C6-B920BC986B4C}" dt="2021-04-08T06:39:16.210" v="111" actId="20577"/>
+        <pc:sldMkLst>
+          <pc:docMk/>
+          <pc:sldMk cId="547356975" sldId="296"/>
+        </pc:sldMkLst>
+        <pc:spChg chg="add mod">
+          <ac:chgData name="Judson Santiago" userId="ebb108da2f256286" providerId="LiveId" clId="{50DF8BEF-96C7-4107-87C6-B920BC986B4C}" dt="2021-04-08T06:39:16.210" v="111" actId="20577"/>
+          <ac:spMkLst>
+            <pc:docMk/>
+            <pc:sldMk cId="547356975" sldId="296"/>
+            <ac:spMk id="4" creationId="{6F98DBB6-BB10-449F-9E97-D490D98042F1}"/>
+          </ac:spMkLst>
+        </pc:spChg>
+      </pc:sldChg>
+      <pc:sldChg chg="modSp mod">
+        <pc:chgData name="Judson Santiago" userId="ebb108da2f256286" providerId="LiveId" clId="{50DF8BEF-96C7-4107-87C6-B920BC986B4C}" dt="2021-04-08T04:18:23.514" v="30" actId="207"/>
+        <pc:sldMkLst>
+          <pc:docMk/>
+          <pc:sldMk cId="2639298098" sldId="297"/>
+        </pc:sldMkLst>
+        <pc:spChg chg="mod">
+          <ac:chgData name="Judson Santiago" userId="ebb108da2f256286" providerId="LiveId" clId="{50DF8BEF-96C7-4107-87C6-B920BC986B4C}" dt="2021-04-08T04:18:23.514" v="30" actId="207"/>
+          <ac:spMkLst>
+            <pc:docMk/>
+            <pc:sldMk cId="2639298098" sldId="297"/>
+            <ac:spMk id="4" creationId="{00000000-0000-0000-0000-000000000000}"/>
+          </ac:spMkLst>
+        </pc:spChg>
+      </pc:sldChg>
+      <pc:sldChg chg="modSp mod">
+        <pc:chgData name="Judson Santiago" userId="ebb108da2f256286" providerId="LiveId" clId="{50DF8BEF-96C7-4107-87C6-B920BC986B4C}" dt="2021-04-08T06:41:30.394" v="133" actId="6549"/>
+        <pc:sldMkLst>
+          <pc:docMk/>
+          <pc:sldMk cId="3654479519" sldId="299"/>
+        </pc:sldMkLst>
+        <pc:spChg chg="mod">
+          <ac:chgData name="Judson Santiago" userId="ebb108da2f256286" providerId="LiveId" clId="{50DF8BEF-96C7-4107-87C6-B920BC986B4C}" dt="2021-04-08T06:41:30.394" v="133" actId="6549"/>
+          <ac:spMkLst>
+            <pc:docMk/>
+            <pc:sldMk cId="3654479519" sldId="299"/>
+            <ac:spMk id="6" creationId="{00000000-0000-0000-0000-000000000000}"/>
+          </ac:spMkLst>
+        </pc:spChg>
+      </pc:sldChg>
+      <pc:sldChg chg="addSp modSp mod">
+        <pc:chgData name="Judson Santiago" userId="ebb108da2f256286" providerId="LiveId" clId="{50DF8BEF-96C7-4107-87C6-B920BC986B4C}" dt="2021-04-08T06:42:51.009" v="175" actId="20577"/>
+        <pc:sldMkLst>
+          <pc:docMk/>
+          <pc:sldMk cId="3686687154" sldId="300"/>
+        </pc:sldMkLst>
+        <pc:spChg chg="add mod">
+          <ac:chgData name="Judson Santiago" userId="ebb108da2f256286" providerId="LiveId" clId="{50DF8BEF-96C7-4107-87C6-B920BC986B4C}" dt="2021-04-08T06:42:51.009" v="175" actId="20577"/>
+          <ac:spMkLst>
+            <pc:docMk/>
+            <pc:sldMk cId="3686687154" sldId="300"/>
+            <ac:spMk id="4" creationId="{F594EA22-75C9-40A2-8C1F-9566774FFD20}"/>
+          </ac:spMkLst>
+        </pc:spChg>
+      </pc:sldChg>
+      <pc:sldChg chg="addSp modSp mod">
+        <pc:chgData name="Judson Santiago" userId="ebb108da2f256286" providerId="LiveId" clId="{50DF8BEF-96C7-4107-87C6-B920BC986B4C}" dt="2021-04-08T06:44:00.352" v="187" actId="20577"/>
+        <pc:sldMkLst>
+          <pc:docMk/>
+          <pc:sldMk cId="1711278706" sldId="302"/>
+        </pc:sldMkLst>
+        <pc:spChg chg="add mod">
+          <ac:chgData name="Judson Santiago" userId="ebb108da2f256286" providerId="LiveId" clId="{50DF8BEF-96C7-4107-87C6-B920BC986B4C}" dt="2021-04-08T06:44:00.352" v="187" actId="20577"/>
+          <ac:spMkLst>
+            <pc:docMk/>
+            <pc:sldMk cId="1711278706" sldId="302"/>
+            <ac:spMk id="4" creationId="{85CC87CE-FA93-4749-B023-0A4E2108EF76}"/>
+          </ac:spMkLst>
+        </pc:spChg>
+      </pc:sldChg>
+      <pc:sldChg chg="modSp mod">
+        <pc:chgData name="Judson Santiago" userId="ebb108da2f256286" providerId="LiveId" clId="{50DF8BEF-96C7-4107-87C6-B920BC986B4C}" dt="2021-04-08T06:44:31.040" v="189" actId="207"/>
+        <pc:sldMkLst>
+          <pc:docMk/>
+          <pc:sldMk cId="3038124913" sldId="303"/>
+        </pc:sldMkLst>
+        <pc:spChg chg="mod">
+          <ac:chgData name="Judson Santiago" userId="ebb108da2f256286" providerId="LiveId" clId="{50DF8BEF-96C7-4107-87C6-B920BC986B4C}" dt="2021-04-08T06:44:31.040" v="189" actId="207"/>
+          <ac:spMkLst>
+            <pc:docMk/>
+            <pc:sldMk cId="3038124913" sldId="303"/>
+            <ac:spMk id="4" creationId="{00000000-0000-0000-0000-000000000000}"/>
+          </ac:spMkLst>
+        </pc:spChg>
+      </pc:sldChg>
+      <pc:sldChg chg="modSp mod">
+        <pc:chgData name="Judson Santiago" userId="ebb108da2f256286" providerId="LiveId" clId="{50DF8BEF-96C7-4107-87C6-B920BC986B4C}" dt="2021-04-08T04:20:44.080" v="36" actId="948"/>
+        <pc:sldMkLst>
+          <pc:docMk/>
+          <pc:sldMk cId="274867959" sldId="304"/>
+        </pc:sldMkLst>
+        <pc:spChg chg="mod">
+          <ac:chgData name="Judson Santiago" userId="ebb108da2f256286" providerId="LiveId" clId="{50DF8BEF-96C7-4107-87C6-B920BC986B4C}" dt="2021-04-08T04:20:44.080" v="36" actId="948"/>
+          <ac:spMkLst>
+            <pc:docMk/>
+            <pc:sldMk cId="274867959" sldId="304"/>
+            <ac:spMk id="3" creationId="{00000000-0000-0000-0000-000000000000}"/>
+          </ac:spMkLst>
+        </pc:spChg>
+      </pc:sldChg>
+      <pc:sldChg chg="modSp mod">
+        <pc:chgData name="Judson Santiago" userId="ebb108da2f256286" providerId="LiveId" clId="{50DF8BEF-96C7-4107-87C6-B920BC986B4C}" dt="2021-04-08T06:40:57.090" v="127" actId="6549"/>
+        <pc:sldMkLst>
+          <pc:docMk/>
+          <pc:sldMk cId="1766240118" sldId="306"/>
+        </pc:sldMkLst>
+        <pc:spChg chg="mod">
+          <ac:chgData name="Judson Santiago" userId="ebb108da2f256286" providerId="LiveId" clId="{50DF8BEF-96C7-4107-87C6-B920BC986B4C}" dt="2021-04-08T06:40:57.090" v="127" actId="6549"/>
+          <ac:spMkLst>
+            <pc:docMk/>
+            <pc:sldMk cId="1766240118" sldId="306"/>
+            <ac:spMk id="4" creationId="{8721BCED-AD21-4B83-AB85-3B294067C95F}"/>
+          </ac:spMkLst>
+        </pc:spChg>
+      </pc:sldChg>
+      <pc:sldChg chg="addSp modSp mod">
+        <pc:chgData name="Judson Santiago" userId="ebb108da2f256286" providerId="LiveId" clId="{50DF8BEF-96C7-4107-87C6-B920BC986B4C}" dt="2021-04-08T06:37:22.922" v="100" actId="20577"/>
+        <pc:sldMkLst>
+          <pc:docMk/>
+          <pc:sldMk cId="1572472663" sldId="307"/>
+        </pc:sldMkLst>
+        <pc:spChg chg="add mod">
+          <ac:chgData name="Judson Santiago" userId="ebb108da2f256286" providerId="LiveId" clId="{50DF8BEF-96C7-4107-87C6-B920BC986B4C}" dt="2021-04-08T06:37:22.922" v="100" actId="20577"/>
+          <ac:spMkLst>
+            <pc:docMk/>
+            <pc:sldMk cId="1572472663" sldId="307"/>
+            <ac:spMk id="8" creationId="{9D23BA00-4425-4B0E-8938-D2FB1C07DCBC}"/>
+          </ac:spMkLst>
+        </pc:spChg>
+      </pc:sldChg>
+      <pc:sldChg chg="modSp mod">
+        <pc:chgData name="Judson Santiago" userId="ebb108da2f256286" providerId="LiveId" clId="{50DF8BEF-96C7-4107-87C6-B920BC986B4C}" dt="2021-04-08T04:16:08.225" v="29" actId="207"/>
+        <pc:sldMkLst>
+          <pc:docMk/>
+          <pc:sldMk cId="587366221" sldId="310"/>
+        </pc:sldMkLst>
+        <pc:spChg chg="mod">
+          <ac:chgData name="Judson Santiago" userId="ebb108da2f256286" providerId="LiveId" clId="{50DF8BEF-96C7-4107-87C6-B920BC986B4C}" dt="2021-04-08T04:16:08.225" v="29" actId="207"/>
+          <ac:spMkLst>
+            <pc:docMk/>
+            <pc:sldMk cId="587366221" sldId="310"/>
+            <ac:spMk id="29" creationId="{659EDB37-A146-43E9-83AC-C5B2D260805F}"/>
+          </ac:spMkLst>
+        </pc:spChg>
+      </pc:sldChg>
+      <pc:sldMasterChg chg="setBg modSldLayout">
+        <pc:chgData name="Judson Santiago" userId="ebb108da2f256286" providerId="LiveId" clId="{50DF8BEF-96C7-4107-87C6-B920BC986B4C}" dt="2021-04-08T04:06:03.713" v="4" actId="167"/>
+        <pc:sldMasterMkLst>
+          <pc:docMk/>
+          <pc:sldMasterMk cId="0" sldId="2147483660"/>
+        </pc:sldMasterMkLst>
+        <pc:sldLayoutChg chg="addSp modSp mod">
+          <pc:chgData name="Judson Santiago" userId="ebb108da2f256286" providerId="LiveId" clId="{50DF8BEF-96C7-4107-87C6-B920BC986B4C}" dt="2021-04-08T04:06:03.713" v="4" actId="167"/>
+          <pc:sldLayoutMkLst>
+            <pc:docMk/>
+            <pc:sldMasterMk cId="0" sldId="2147483660"/>
+            <pc:sldLayoutMk cId="0" sldId="2147483661"/>
+          </pc:sldLayoutMkLst>
+          <pc:picChg chg="add mod ord">
+            <ac:chgData name="Judson Santiago" userId="ebb108da2f256286" providerId="LiveId" clId="{50DF8BEF-96C7-4107-87C6-B920BC986B4C}" dt="2021-04-08T04:06:03.713" v="4" actId="167"/>
+            <ac:picMkLst>
+              <pc:docMk/>
+              <pc:sldMasterMk cId="0" sldId="2147483660"/>
+              <pc:sldLayoutMk cId="0" sldId="2147483661"/>
+              <ac:picMk id="13" creationId="{AFA294C9-4BC2-417F-86BE-388F2DF740D8}"/>
+            </ac:picMkLst>
+          </pc:picChg>
+        </pc:sldLayoutChg>
+      </pc:sldMasterChg>
+    </pc:docChg>
+  </pc:docChgLst>
 </pc:chgInfo>
 </file>
 
@@ -2835,7 +3082,7 @@
             <a:fld id="{C316FC6E-831B-4C5E-8751-6BBED6FFBE8E}" type="datetimeFigureOut">
               <a:rPr lang="pt-BR" smtClean="0"/>
               <a:pPr/>
-              <a:t>28/10/2019</a:t>
+              <a:t>08/04/2021</a:t>
             </a:fld>
             <a:endParaRPr lang="pt-BR"/>
           </a:p>
@@ -3150,14 +3397,9 @@
           <a:lstStyle/>
           <a:p>
             <a:r>
-              <a:rPr lang="pt-BR" sz="1200" dirty="0">
-                <a:solidFill>
-                  <a:schemeClr val="bg1"/>
-                </a:solidFill>
-              </a:rPr>
-              <a:t>» Mostrar no Visual Studio a saída desse exemplo</a:t>
-            </a:r>
-            <a:endParaRPr lang="pt-BR" dirty="0"/>
+              <a:rPr lang="pt-BR" dirty="0"/>
+              <a:t>Barra invertida zero</a:t>
+            </a:r>
           </a:p>
         </p:txBody>
       </p:sp>
@@ -3168,7 +3410,7 @@
             <a:spLocks noGrp="1"/>
           </p:cNvSpPr>
           <p:nvPr>
-            <p:ph type="sldNum" sz="quarter" idx="10"/>
+            <p:ph type="sldNum" sz="quarter" idx="5"/>
           </p:nvPr>
         </p:nvSpPr>
         <p:spPr/>
@@ -3179,7 +3421,7 @@
             <a:fld id="{0CCBE35C-FFF7-45E7-A1F3-86D06533C3F2}" type="slidenum">
               <a:rPr lang="pt-BR" smtClean="0"/>
               <a:pPr/>
-              <a:t>6</a:t>
+              <a:t>5</a:t>
             </a:fld>
             <a:endParaRPr lang="pt-BR"/>
           </a:p>
@@ -3188,7 +3430,7 @@
     </p:spTree>
     <p:extLst>
       <p:ext uri="{BB962C8B-B14F-4D97-AF65-F5344CB8AC3E}">
-        <p14:creationId xmlns:p14="http://schemas.microsoft.com/office/powerpoint/2010/main" val="2201340491"/>
+        <p14:creationId xmlns:p14="http://schemas.microsoft.com/office/powerpoint/2010/main" val="1970015273"/>
       </p:ext>
     </p:extLst>
   </p:cSld>
@@ -3242,49 +3484,10 @@
           <a:bodyPr/>
           <a:lstStyle/>
           <a:p>
-            <a:pPr marL="0" marR="0" lvl="0" indent="0" algn="l" defTabSz="914400" rtl="0" eaLnBrk="1" fontAlgn="auto" latinLnBrk="0" hangingPunct="1">
-              <a:lnSpc>
-                <a:spcPct val="100000"/>
-              </a:lnSpc>
-              <a:spcBef>
-                <a:spcPts val="0"/>
-              </a:spcBef>
-              <a:spcAft>
-                <a:spcPts val="0"/>
-              </a:spcAft>
-              <a:buClrTx/>
-              <a:buSzTx/>
-              <a:buFontTx/>
-              <a:buNone/>
-              <a:tabLst/>
-              <a:defRPr/>
-            </a:pPr>
-            <a:r>
-              <a:rPr lang="pt-BR" sz="1200" noProof="0" dirty="0">
-                <a:solidFill>
-                  <a:schemeClr val="bg1"/>
-                </a:solidFill>
-              </a:rPr>
-              <a:t>» Mostrar o erro ao usar strcpy sem </a:t>
-            </a:r>
-            <a:r>
-              <a:rPr lang="pt-BR" sz="1000" kern="1200" noProof="0" dirty="0">
-                <a:solidFill>
-                  <a:schemeClr val="accent3">
-                    <a:lumMod val="60000"/>
-                    <a:lumOff val="40000"/>
-                  </a:schemeClr>
-                </a:solidFill>
-                <a:latin typeface="+mn-lt"/>
-                <a:ea typeface="+mn-ea"/>
-                <a:cs typeface="+mn-cs"/>
-              </a:rPr>
-              <a:t>_CRT_SECURE_NO_WARNINGS no Visual Studio. Mostrar também o que acontece se não houver espaço suficiente no destino.</a:t>
-            </a:r>
-            <a:endParaRPr lang="pt-BR" noProof="0" dirty="0"/>
-          </a:p>
-          <a:p>
-            <a:endParaRPr lang="pt-BR" noProof="0" dirty="0"/>
+            <a:r>
+              <a:rPr lang="pt-BR" dirty="0"/>
+              <a:t>Tratando os vetores e strings como endereços não é necessário copiar o vetor de um lado para outro, passe-se apenas seu endereço.</a:t>
+            </a:r>
           </a:p>
         </p:txBody>
       </p:sp>
@@ -3306,7 +3509,7 @@
             <a:fld id="{0CCBE35C-FFF7-45E7-A1F3-86D06533C3F2}" type="slidenum">
               <a:rPr lang="pt-BR" smtClean="0"/>
               <a:pPr/>
-              <a:t>25</a:t>
+              <a:t>24</a:t>
             </a:fld>
             <a:endParaRPr lang="pt-BR"/>
           </a:p>
@@ -3315,7 +3518,7 @@
     </p:spTree>
     <p:extLst>
       <p:ext uri="{BB962C8B-B14F-4D97-AF65-F5344CB8AC3E}">
-        <p14:creationId xmlns:p14="http://schemas.microsoft.com/office/powerpoint/2010/main" val="3698770984"/>
+        <p14:creationId xmlns:p14="http://schemas.microsoft.com/office/powerpoint/2010/main" val="2961421044"/>
       </p:ext>
     </p:extLst>
   </p:cSld>
@@ -3369,7 +3572,49 @@
           <a:bodyPr/>
           <a:lstStyle/>
           <a:p>
-            <a:endParaRPr lang="pt-BR" dirty="0"/>
+            <a:pPr marL="0" marR="0" lvl="0" indent="0" algn="l" defTabSz="914400" rtl="0" eaLnBrk="1" fontAlgn="auto" latinLnBrk="0" hangingPunct="1">
+              <a:lnSpc>
+                <a:spcPct val="100000"/>
+              </a:lnSpc>
+              <a:spcBef>
+                <a:spcPts val="0"/>
+              </a:spcBef>
+              <a:spcAft>
+                <a:spcPts val="0"/>
+              </a:spcAft>
+              <a:buClrTx/>
+              <a:buSzTx/>
+              <a:buFontTx/>
+              <a:buNone/>
+              <a:tabLst/>
+              <a:defRPr/>
+            </a:pPr>
+            <a:r>
+              <a:rPr lang="pt-BR" sz="1200" noProof="0" dirty="0">
+                <a:solidFill>
+                  <a:schemeClr val="bg1"/>
+                </a:solidFill>
+              </a:rPr>
+              <a:t>» Mostrar o erro ao usar strcpy sem </a:t>
+            </a:r>
+            <a:r>
+              <a:rPr lang="pt-BR" sz="1000" kern="1200" noProof="0" dirty="0">
+                <a:solidFill>
+                  <a:schemeClr val="accent3">
+                    <a:lumMod val="60000"/>
+                    <a:lumOff val="40000"/>
+                  </a:schemeClr>
+                </a:solidFill>
+                <a:latin typeface="+mn-lt"/>
+                <a:ea typeface="+mn-ea"/>
+                <a:cs typeface="+mn-cs"/>
+              </a:rPr>
+              <a:t>_CRT_SECURE_NO_WARNINGS no Visual Studio. Mostrar também o que acontece se não houver espaço suficiente no destino.</a:t>
+            </a:r>
+            <a:endParaRPr lang="pt-BR" noProof="0" dirty="0"/>
+          </a:p>
+          <a:p>
+            <a:endParaRPr lang="pt-BR" noProof="0" dirty="0"/>
           </a:p>
         </p:txBody>
       </p:sp>
@@ -3380,7 +3625,7 @@
             <a:spLocks noGrp="1"/>
           </p:cNvSpPr>
           <p:nvPr>
-            <p:ph type="sldNum" sz="quarter" idx="10"/>
+            <p:ph type="sldNum" sz="quarter" idx="5"/>
           </p:nvPr>
         </p:nvSpPr>
         <p:spPr/>
@@ -3391,7 +3636,7 @@
             <a:fld id="{0CCBE35C-FFF7-45E7-A1F3-86D06533C3F2}" type="slidenum">
               <a:rPr lang="pt-BR" smtClean="0"/>
               <a:pPr/>
-              <a:t>26</a:t>
+              <a:t>25</a:t>
             </a:fld>
             <a:endParaRPr lang="pt-BR"/>
           </a:p>
@@ -3400,7 +3645,7 @@
     </p:spTree>
     <p:extLst>
       <p:ext uri="{BB962C8B-B14F-4D97-AF65-F5344CB8AC3E}">
-        <p14:creationId xmlns:p14="http://schemas.microsoft.com/office/powerpoint/2010/main" val="937123135"/>
+        <p14:creationId xmlns:p14="http://schemas.microsoft.com/office/powerpoint/2010/main" val="3698770984"/>
       </p:ext>
     </p:extLst>
   </p:cSld>
@@ -3476,7 +3721,7 @@
             <a:fld id="{0CCBE35C-FFF7-45E7-A1F3-86D06533C3F2}" type="slidenum">
               <a:rPr lang="pt-BR" smtClean="0"/>
               <a:pPr/>
-              <a:t>29</a:t>
+              <a:t>26</a:t>
             </a:fld>
             <a:endParaRPr lang="pt-BR"/>
           </a:p>
@@ -3485,7 +3730,7 @@
     </p:spTree>
     <p:extLst>
       <p:ext uri="{BB962C8B-B14F-4D97-AF65-F5344CB8AC3E}">
-        <p14:creationId xmlns:p14="http://schemas.microsoft.com/office/powerpoint/2010/main" val="3755255077"/>
+        <p14:creationId xmlns:p14="http://schemas.microsoft.com/office/powerpoint/2010/main" val="937123135"/>
       </p:ext>
     </p:extLst>
   </p:cSld>
@@ -3539,54 +3784,6 @@
           <a:bodyPr/>
           <a:lstStyle/>
           <a:p>
-            <a:r>
-              <a:rPr lang="pt-BR" dirty="0"/>
-              <a:t>No Visual C++ é necessário usar </a:t>
-            </a:r>
-            <a:r>
-              <a:rPr lang="pt-BR" sz="1200" kern="1200" dirty="0">
-                <a:solidFill>
-                  <a:schemeClr val="tx1"/>
-                </a:solidFill>
-                <a:latin typeface="+mn-lt"/>
-                <a:ea typeface="+mn-ea"/>
-                <a:cs typeface="+mn-cs"/>
-              </a:rPr>
-              <a:t>#define _CRT_SECURE_NO_WARNINGS no início do programa para que ele rode com strcpy</a:t>
-            </a:r>
-            <a:r>
-              <a:rPr lang="pt-BR" sz="1200" kern="1200" baseline="0" dirty="0">
-                <a:solidFill>
-                  <a:schemeClr val="tx1"/>
-                </a:solidFill>
-                <a:latin typeface="+mn-lt"/>
-                <a:ea typeface="+mn-ea"/>
-                <a:cs typeface="+mn-cs"/>
-              </a:rPr>
-              <a:t> e </a:t>
-            </a:r>
-            <a:r>
-              <a:rPr lang="pt-BR" sz="1200" kern="1200" baseline="0" dirty="0" err="1">
-                <a:solidFill>
-                  <a:schemeClr val="tx1"/>
-                </a:solidFill>
-                <a:latin typeface="+mn-lt"/>
-                <a:ea typeface="+mn-ea"/>
-                <a:cs typeface="+mn-cs"/>
-              </a:rPr>
-              <a:t>strcat</a:t>
-            </a:r>
-            <a:r>
-              <a:rPr lang="pt-BR" sz="1200" kern="1200" baseline="0" dirty="0">
-                <a:solidFill>
-                  <a:schemeClr val="tx1"/>
-                </a:solidFill>
-                <a:latin typeface="+mn-lt"/>
-                <a:ea typeface="+mn-ea"/>
-                <a:cs typeface="+mn-cs"/>
-              </a:rPr>
-              <a:t>.</a:t>
-            </a:r>
             <a:endParaRPr lang="pt-BR" dirty="0"/>
           </a:p>
         </p:txBody>
@@ -3609,7 +3806,7 @@
             <a:fld id="{0CCBE35C-FFF7-45E7-A1F3-86D06533C3F2}" type="slidenum">
               <a:rPr lang="pt-BR" smtClean="0"/>
               <a:pPr/>
-              <a:t>33</a:t>
+              <a:t>29</a:t>
             </a:fld>
             <a:endParaRPr lang="pt-BR"/>
           </a:p>
@@ -3618,7 +3815,7 @@
     </p:spTree>
     <p:extLst>
       <p:ext uri="{BB962C8B-B14F-4D97-AF65-F5344CB8AC3E}">
-        <p14:creationId xmlns:p14="http://schemas.microsoft.com/office/powerpoint/2010/main" val="2766994258"/>
+        <p14:creationId xmlns:p14="http://schemas.microsoft.com/office/powerpoint/2010/main" val="3755255077"/>
       </p:ext>
     </p:extLst>
   </p:cSld>
@@ -3674,19 +3871,51 @@
           <a:p>
             <a:r>
               <a:rPr lang="pt-BR" dirty="0"/>
-              <a:t>O comprimento de </a:t>
-            </a:r>
-            <a:r>
-              <a:rPr lang="pt-BR" dirty="0" err="1"/>
-              <a:t>vet</a:t>
-            </a:r>
-            <a:r>
-              <a:rPr lang="pt-BR" dirty="0"/>
-              <a:t> vai variar de uma execução para outra a depender do lixo de memória presente na posição do vetor </a:t>
-            </a:r>
-            <a:r>
-              <a:rPr lang="pt-BR"/>
-              <a:t>de caracteres.</a:t>
+              <a:t>No Visual C++ é necessário usar </a:t>
+            </a:r>
+            <a:r>
+              <a:rPr lang="pt-BR" sz="1200" kern="1200" dirty="0">
+                <a:solidFill>
+                  <a:schemeClr val="tx1"/>
+                </a:solidFill>
+                <a:latin typeface="+mn-lt"/>
+                <a:ea typeface="+mn-ea"/>
+                <a:cs typeface="+mn-cs"/>
+              </a:rPr>
+              <a:t>#define _CRT_SECURE_NO_WARNINGS no início do programa para que ele rode com strcpy</a:t>
+            </a:r>
+            <a:r>
+              <a:rPr lang="pt-BR" sz="1200" kern="1200" baseline="0" dirty="0">
+                <a:solidFill>
+                  <a:schemeClr val="tx1"/>
+                </a:solidFill>
+                <a:latin typeface="+mn-lt"/>
+                <a:ea typeface="+mn-ea"/>
+                <a:cs typeface="+mn-cs"/>
+              </a:rPr>
+              <a:t> e </a:t>
+            </a:r>
+            <a:r>
+              <a:rPr lang="pt-BR" sz="1200" kern="1200" baseline="0" dirty="0" err="1">
+                <a:solidFill>
+                  <a:schemeClr val="tx1"/>
+                </a:solidFill>
+                <a:latin typeface="+mn-lt"/>
+                <a:ea typeface="+mn-ea"/>
+                <a:cs typeface="+mn-cs"/>
+              </a:rPr>
+              <a:t>strcat</a:t>
+            </a:r>
+            <a:r>
+              <a:rPr lang="pt-BR" sz="1200" kern="1200" baseline="0" dirty="0">
+                <a:solidFill>
+                  <a:schemeClr val="tx1"/>
+                </a:solidFill>
+                <a:latin typeface="+mn-lt"/>
+                <a:ea typeface="+mn-ea"/>
+                <a:cs typeface="+mn-cs"/>
+              </a:rPr>
+              <a:t>.</a:t>
             </a:r>
             <a:endParaRPr lang="pt-BR" dirty="0"/>
           </a:p>
@@ -3710,6 +3939,107 @@
             <a:fld id="{0CCBE35C-FFF7-45E7-A1F3-86D06533C3F2}" type="slidenum">
               <a:rPr lang="pt-BR" smtClean="0"/>
               <a:pPr/>
+              <a:t>33</a:t>
+            </a:fld>
+            <a:endParaRPr lang="pt-BR"/>
+          </a:p>
+        </p:txBody>
+      </p:sp>
+    </p:spTree>
+    <p:extLst>
+      <p:ext uri="{BB962C8B-B14F-4D97-AF65-F5344CB8AC3E}">
+        <p14:creationId xmlns:p14="http://schemas.microsoft.com/office/powerpoint/2010/main" val="2766994258"/>
+      </p:ext>
+    </p:extLst>
+  </p:cSld>
+  <p:clrMapOvr>
+    <a:masterClrMapping/>
+  </p:clrMapOvr>
+</p:notes>
+</file>
+
+<file path=ppt/notesSlides/notesSlide15.xml><?xml version="1.0" encoding="utf-8"?>
+<p:notes xmlns:a="http://schemas.openxmlformats.org/drawingml/2006/main" xmlns:r="http://schemas.openxmlformats.org/officeDocument/2006/relationships" xmlns:p="http://schemas.openxmlformats.org/presentationml/2006/main">
+  <p:cSld>
+    <p:spTree>
+      <p:nvGrpSpPr>
+        <p:cNvPr id="1" name=""/>
+        <p:cNvGrpSpPr/>
+        <p:nvPr/>
+      </p:nvGrpSpPr>
+      <p:grpSpPr>
+        <a:xfrm>
+          <a:off x="0" y="0"/>
+          <a:ext cx="0" cy="0"/>
+          <a:chOff x="0" y="0"/>
+          <a:chExt cx="0" cy="0"/>
+        </a:xfrm>
+      </p:grpSpPr>
+      <p:sp>
+        <p:nvSpPr>
+          <p:cNvPr id="2" name="Espaço Reservado para Imagem de Slide 1"/>
+          <p:cNvSpPr>
+            <a:spLocks noGrp="1" noRot="1" noChangeAspect="1"/>
+          </p:cNvSpPr>
+          <p:nvPr>
+            <p:ph type="sldImg"/>
+          </p:nvPr>
+        </p:nvSpPr>
+        <p:spPr/>
+      </p:sp>
+      <p:sp>
+        <p:nvSpPr>
+          <p:cNvPr id="3" name="Espaço Reservado para Anotações 2"/>
+          <p:cNvSpPr>
+            <a:spLocks noGrp="1"/>
+          </p:cNvSpPr>
+          <p:nvPr>
+            <p:ph type="body" idx="1"/>
+          </p:nvPr>
+        </p:nvSpPr>
+        <p:spPr/>
+        <p:txBody>
+          <a:bodyPr/>
+          <a:lstStyle/>
+          <a:p>
+            <a:r>
+              <a:rPr lang="pt-BR" dirty="0"/>
+              <a:t>O comprimento de </a:t>
+            </a:r>
+            <a:r>
+              <a:rPr lang="pt-BR" dirty="0" err="1"/>
+              <a:t>vet</a:t>
+            </a:r>
+            <a:r>
+              <a:rPr lang="pt-BR" dirty="0"/>
+              <a:t> vai variar de uma execução para outra a depender do lixo de memória presente na posição do vetor </a:t>
+            </a:r>
+            <a:r>
+              <a:rPr lang="pt-BR"/>
+              <a:t>de caracteres.</a:t>
+            </a:r>
+            <a:endParaRPr lang="pt-BR" dirty="0"/>
+          </a:p>
+        </p:txBody>
+      </p:sp>
+      <p:sp>
+        <p:nvSpPr>
+          <p:cNvPr id="4" name="Espaço Reservado para Número de Slide 3"/>
+          <p:cNvSpPr>
+            <a:spLocks noGrp="1"/>
+          </p:cNvSpPr>
+          <p:nvPr>
+            <p:ph type="sldNum" sz="quarter" idx="10"/>
+          </p:nvPr>
+        </p:nvSpPr>
+        <p:spPr/>
+        <p:txBody>
+          <a:bodyPr/>
+          <a:lstStyle/>
+          <a:p>
+            <a:fld id="{0CCBE35C-FFF7-45E7-A1F3-86D06533C3F2}" type="slidenum">
+              <a:rPr lang="pt-BR" smtClean="0"/>
+              <a:pPr/>
               <a:t>35</a:t>
             </a:fld>
             <a:endParaRPr lang="pt-BR"/>
@@ -3729,7 +4059,7 @@
 </p:notes>
 </file>
 
-<file path=ppt/notesSlides/notesSlide15.xml><?xml version="1.0" encoding="utf-8"?>
+<file path=ppt/notesSlides/notesSlide16.xml><?xml version="1.0" encoding="utf-8"?>
 <p:notes xmlns:a="http://schemas.openxmlformats.org/drawingml/2006/main" xmlns:r="http://schemas.openxmlformats.org/officeDocument/2006/relationships" xmlns:p="http://schemas.openxmlformats.org/presentationml/2006/main">
   <p:cSld>
     <p:spTree>
@@ -3862,9 +4192,14 @@
           <a:lstStyle/>
           <a:p>
             <a:r>
-              <a:rPr lang="pt-BR" dirty="0"/>
-              <a:t>É a mesma coisa de inicializar parcialmente um vetor... os demais elementos são inicializados para zero, que é o código ASCII do '\0'.</a:t>
-            </a:r>
+              <a:rPr lang="pt-BR" sz="1200" dirty="0">
+                <a:solidFill>
+                  <a:schemeClr val="bg1"/>
+                </a:solidFill>
+              </a:rPr>
+              <a:t>» Mostrar no Visual Studio a saída desse exemplo</a:t>
+            </a:r>
+            <a:endParaRPr lang="pt-BR" dirty="0"/>
           </a:p>
         </p:txBody>
       </p:sp>
@@ -3875,7 +4210,7 @@
             <a:spLocks noGrp="1"/>
           </p:cNvSpPr>
           <p:nvPr>
-            <p:ph type="sldNum" sz="quarter" idx="5"/>
+            <p:ph type="sldNum" sz="quarter" idx="10"/>
           </p:nvPr>
         </p:nvSpPr>
         <p:spPr/>
@@ -3886,7 +4221,7 @@
             <a:fld id="{0CCBE35C-FFF7-45E7-A1F3-86D06533C3F2}" type="slidenum">
               <a:rPr lang="pt-BR" smtClean="0"/>
               <a:pPr/>
-              <a:t>7</a:t>
+              <a:t>6</a:t>
             </a:fld>
             <a:endParaRPr lang="pt-BR"/>
           </a:p>
@@ -3895,7 +4230,7 @@
     </p:spTree>
     <p:extLst>
       <p:ext uri="{BB962C8B-B14F-4D97-AF65-F5344CB8AC3E}">
-        <p14:creationId xmlns:p14="http://schemas.microsoft.com/office/powerpoint/2010/main" val="1685897824"/>
+        <p14:creationId xmlns:p14="http://schemas.microsoft.com/office/powerpoint/2010/main" val="2201340491"/>
       </p:ext>
     </p:extLst>
   </p:cSld>
@@ -3932,12 +4267,7 @@
             <p:ph type="sldImg"/>
           </p:nvPr>
         </p:nvSpPr>
-        <p:spPr>
-          <a:xfrm>
-            <a:off x="381000" y="685800"/>
-            <a:ext cx="6096000" cy="3429000"/>
-          </a:xfrm>
-        </p:spPr>
+        <p:spPr/>
       </p:sp>
       <p:sp>
         <p:nvSpPr>
@@ -3951,20 +4281,13 @@
         </p:nvSpPr>
         <p:spPr/>
         <p:txBody>
-          <a:bodyPr>
-            <a:normAutofit/>
-          </a:bodyPr>
+          <a:bodyPr/>
           <a:lstStyle/>
           <a:p>
             <a:r>
               <a:rPr lang="pt-BR" dirty="0"/>
-              <a:t>Declarando, inicializando</a:t>
-            </a:r>
-            <a:r>
-              <a:rPr lang="pt-BR" baseline="0" dirty="0"/>
-              <a:t> e lendo uma string do teclado com cin.</a:t>
-            </a:r>
-            <a:endParaRPr lang="pt-BR" dirty="0"/>
+              <a:t>É a mesma coisa de inicializar parcialmente um vetor... os demais elementos são inicializados para zero, que é o código ASCII do '\0'.</a:t>
+            </a:r>
           </a:p>
         </p:txBody>
       </p:sp>
@@ -3975,7 +4298,7 @@
             <a:spLocks noGrp="1"/>
           </p:cNvSpPr>
           <p:nvPr>
-            <p:ph type="sldNum" sz="quarter" idx="10"/>
+            <p:ph type="sldNum" sz="quarter" idx="5"/>
           </p:nvPr>
         </p:nvSpPr>
         <p:spPr/>
@@ -3986,7 +4309,7 @@
             <a:fld id="{0CCBE35C-FFF7-45E7-A1F3-86D06533C3F2}" type="slidenum">
               <a:rPr lang="pt-BR" smtClean="0"/>
               <a:pPr/>
-              <a:t>10</a:t>
+              <a:t>7</a:t>
             </a:fld>
             <a:endParaRPr lang="pt-BR"/>
           </a:p>
@@ -3995,7 +4318,7 @@
     </p:spTree>
     <p:extLst>
       <p:ext uri="{BB962C8B-B14F-4D97-AF65-F5344CB8AC3E}">
-        <p14:creationId xmlns:p14="http://schemas.microsoft.com/office/powerpoint/2010/main" val="3750540926"/>
+        <p14:creationId xmlns:p14="http://schemas.microsoft.com/office/powerpoint/2010/main" val="1685897824"/>
       </p:ext>
     </p:extLst>
   </p:cSld>
@@ -4058,8 +4381,13 @@
           <a:p>
             <a:r>
               <a:rPr lang="pt-BR" dirty="0"/>
-              <a:t>Exemplo ilustra o que acontece se o usuário digitar uma string com espaços em resposta a cin.</a:t>
-            </a:r>
+              <a:t>Declarando, inicializando</a:t>
+            </a:r>
+            <a:r>
+              <a:rPr lang="pt-BR" baseline="0" dirty="0"/>
+              <a:t> e lendo uma string do teclado com cin.</a:t>
+            </a:r>
+            <a:endParaRPr lang="pt-BR" dirty="0"/>
           </a:p>
         </p:txBody>
       </p:sp>
@@ -4081,7 +4409,7 @@
             <a:fld id="{0CCBE35C-FFF7-45E7-A1F3-86D06533C3F2}" type="slidenum">
               <a:rPr lang="pt-BR" smtClean="0"/>
               <a:pPr/>
-              <a:t>12</a:t>
+              <a:t>10</a:t>
             </a:fld>
             <a:endParaRPr lang="pt-BR"/>
           </a:p>
@@ -4090,7 +4418,7 @@
     </p:spTree>
     <p:extLst>
       <p:ext uri="{BB962C8B-B14F-4D97-AF65-F5344CB8AC3E}">
-        <p14:creationId xmlns:p14="http://schemas.microsoft.com/office/powerpoint/2010/main" val="3501394268"/>
+        <p14:creationId xmlns:p14="http://schemas.microsoft.com/office/powerpoint/2010/main" val="3750540926"/>
       </p:ext>
     </p:extLst>
   </p:cSld>
@@ -4127,7 +4455,12 @@
             <p:ph type="sldImg"/>
           </p:nvPr>
         </p:nvSpPr>
-        <p:spPr/>
+        <p:spPr>
+          <a:xfrm>
+            <a:off x="381000" y="685800"/>
+            <a:ext cx="6096000" cy="3429000"/>
+          </a:xfrm>
+        </p:spPr>
       </p:sp>
       <p:sp>
         <p:nvSpPr>
@@ -4141,20 +4474,14 @@
         </p:nvSpPr>
         <p:spPr/>
         <p:txBody>
-          <a:bodyPr/>
+          <a:bodyPr>
+            <a:normAutofit/>
+          </a:bodyPr>
           <a:lstStyle/>
           <a:p>
             <a:r>
               <a:rPr lang="pt-BR" dirty="0"/>
-              <a:t>Se forem digitados caracteres além do limite, estes não serão incluídos no vetor e o </a:t>
-            </a:r>
-            <a:r>
-              <a:rPr lang="pt-BR" dirty="0" err="1"/>
-              <a:t>cin</a:t>
-            </a:r>
-            <a:r>
-              <a:rPr lang="pt-BR" dirty="0"/>
-              <a:t> entra em estado de erro, ignorando todas as demais leituras do programa.</a:t>
+              <a:t>Exemplo ilustra o que acontece se o usuário digitar uma string com espaços em resposta a cin.</a:t>
             </a:r>
           </a:p>
         </p:txBody>
@@ -4166,7 +4493,7 @@
             <a:spLocks noGrp="1"/>
           </p:cNvSpPr>
           <p:nvPr>
-            <p:ph type="sldNum" sz="quarter" idx="5"/>
+            <p:ph type="sldNum" sz="quarter" idx="10"/>
           </p:nvPr>
         </p:nvSpPr>
         <p:spPr/>
@@ -4177,7 +4504,7 @@
             <a:fld id="{0CCBE35C-FFF7-45E7-A1F3-86D06533C3F2}" type="slidenum">
               <a:rPr lang="pt-BR" smtClean="0"/>
               <a:pPr/>
-              <a:t>14</a:t>
+              <a:t>12</a:t>
             </a:fld>
             <a:endParaRPr lang="pt-BR"/>
           </a:p>
@@ -4186,7 +4513,7 @@
     </p:spTree>
     <p:extLst>
       <p:ext uri="{BB962C8B-B14F-4D97-AF65-F5344CB8AC3E}">
-        <p14:creationId xmlns:p14="http://schemas.microsoft.com/office/powerpoint/2010/main" val="1188822740"/>
+        <p14:creationId xmlns:p14="http://schemas.microsoft.com/office/powerpoint/2010/main" val="3501394268"/>
       </p:ext>
     </p:extLst>
   </p:cSld>
@@ -4242,7 +4569,15 @@
           <a:p>
             <a:r>
               <a:rPr lang="pt-BR" dirty="0"/>
-              <a:t>A função lê até limite-1 caracteres do buffer (por causa do \0)</a:t>
+              <a:t>Se forem digitados caracteres além do limite, estes não serão incluídos no vetor e o </a:t>
+            </a:r>
+            <a:r>
+              <a:rPr lang="pt-BR" dirty="0" err="1"/>
+              <a:t>cin</a:t>
+            </a:r>
+            <a:r>
+              <a:rPr lang="pt-BR" dirty="0"/>
+              <a:t> entra em estado de erro, ignorando todas as demais leituras do programa.</a:t>
             </a:r>
           </a:p>
         </p:txBody>
@@ -4265,6 +4600,94 @@
             <a:fld id="{0CCBE35C-FFF7-45E7-A1F3-86D06533C3F2}" type="slidenum">
               <a:rPr lang="pt-BR" smtClean="0"/>
               <a:pPr/>
+              <a:t>14</a:t>
+            </a:fld>
+            <a:endParaRPr lang="pt-BR"/>
+          </a:p>
+        </p:txBody>
+      </p:sp>
+    </p:spTree>
+    <p:extLst>
+      <p:ext uri="{BB962C8B-B14F-4D97-AF65-F5344CB8AC3E}">
+        <p14:creationId xmlns:p14="http://schemas.microsoft.com/office/powerpoint/2010/main" val="1188822740"/>
+      </p:ext>
+    </p:extLst>
+  </p:cSld>
+  <p:clrMapOvr>
+    <a:masterClrMapping/>
+  </p:clrMapOvr>
+</p:notes>
+</file>
+
+<file path=ppt/notesSlides/notesSlide7.xml><?xml version="1.0" encoding="utf-8"?>
+<p:notes xmlns:a="http://schemas.openxmlformats.org/drawingml/2006/main" xmlns:r="http://schemas.openxmlformats.org/officeDocument/2006/relationships" xmlns:p="http://schemas.openxmlformats.org/presentationml/2006/main">
+  <p:cSld>
+    <p:spTree>
+      <p:nvGrpSpPr>
+        <p:cNvPr id="1" name=""/>
+        <p:cNvGrpSpPr/>
+        <p:nvPr/>
+      </p:nvGrpSpPr>
+      <p:grpSpPr>
+        <a:xfrm>
+          <a:off x="0" y="0"/>
+          <a:ext cx="0" cy="0"/>
+          <a:chOff x="0" y="0"/>
+          <a:chExt cx="0" cy="0"/>
+        </a:xfrm>
+      </p:grpSpPr>
+      <p:sp>
+        <p:nvSpPr>
+          <p:cNvPr id="2" name="Espaço Reservado para Imagem de Slide 1"/>
+          <p:cNvSpPr>
+            <a:spLocks noGrp="1" noRot="1" noChangeAspect="1"/>
+          </p:cNvSpPr>
+          <p:nvPr>
+            <p:ph type="sldImg"/>
+          </p:nvPr>
+        </p:nvSpPr>
+        <p:spPr/>
+      </p:sp>
+      <p:sp>
+        <p:nvSpPr>
+          <p:cNvPr id="3" name="Espaço Reservado para Anotações 2"/>
+          <p:cNvSpPr>
+            <a:spLocks noGrp="1"/>
+          </p:cNvSpPr>
+          <p:nvPr>
+            <p:ph type="body" idx="1"/>
+          </p:nvPr>
+        </p:nvSpPr>
+        <p:spPr/>
+        <p:txBody>
+          <a:bodyPr/>
+          <a:lstStyle/>
+          <a:p>
+            <a:r>
+              <a:rPr lang="pt-BR" dirty="0"/>
+              <a:t>A função lê até limite-1 caracteres do buffer (por causa do \0)</a:t>
+            </a:r>
+          </a:p>
+        </p:txBody>
+      </p:sp>
+      <p:sp>
+        <p:nvSpPr>
+          <p:cNvPr id="4" name="Espaço Reservado para Número de Slide 3"/>
+          <p:cNvSpPr>
+            <a:spLocks noGrp="1"/>
+          </p:cNvSpPr>
+          <p:nvPr>
+            <p:ph type="sldNum" sz="quarter" idx="5"/>
+          </p:nvPr>
+        </p:nvSpPr>
+        <p:spPr/>
+        <p:txBody>
+          <a:bodyPr/>
+          <a:lstStyle/>
+          <a:p>
+            <a:fld id="{0CCBE35C-FFF7-45E7-A1F3-86D06533C3F2}" type="slidenum">
+              <a:rPr lang="pt-BR" smtClean="0"/>
+              <a:pPr/>
               <a:t>16</a:t>
             </a:fld>
             <a:endParaRPr lang="pt-BR"/>
@@ -4284,7 +4707,7 @@
 </p:notes>
 </file>
 
-<file path=ppt/notesSlides/notesSlide7.xml><?xml version="1.0" encoding="utf-8"?>
+<file path=ppt/notesSlides/notesSlide8.xml><?xml version="1.0" encoding="utf-8"?>
 <p:notes xmlns:a="http://schemas.openxmlformats.org/drawingml/2006/main" xmlns:r="http://schemas.openxmlformats.org/officeDocument/2006/relationships" xmlns:p="http://schemas.openxmlformats.org/presentationml/2006/main">
   <p:cSld>
     <p:spTree>
@@ -4381,102 +4804,6 @@
     <p:extLst>
       <p:ext uri="{BB962C8B-B14F-4D97-AF65-F5344CB8AC3E}">
         <p14:creationId xmlns:p14="http://schemas.microsoft.com/office/powerpoint/2010/main" val="758732284"/>
-      </p:ext>
-    </p:extLst>
-  </p:cSld>
-  <p:clrMapOvr>
-    <a:masterClrMapping/>
-  </p:clrMapOvr>
-</p:notes>
-</file>
-
-<file path=ppt/notesSlides/notesSlide8.xml><?xml version="1.0" encoding="utf-8"?>
-<p:notes xmlns:a="http://schemas.openxmlformats.org/drawingml/2006/main" xmlns:r="http://schemas.openxmlformats.org/officeDocument/2006/relationships" xmlns:p="http://schemas.openxmlformats.org/presentationml/2006/main">
-  <p:cSld>
-    <p:spTree>
-      <p:nvGrpSpPr>
-        <p:cNvPr id="1" name=""/>
-        <p:cNvGrpSpPr/>
-        <p:nvPr/>
-      </p:nvGrpSpPr>
-      <p:grpSpPr>
-        <a:xfrm>
-          <a:off x="0" y="0"/>
-          <a:ext cx="0" cy="0"/>
-          <a:chOff x="0" y="0"/>
-          <a:chExt cx="0" cy="0"/>
-        </a:xfrm>
-      </p:grpSpPr>
-      <p:sp>
-        <p:nvSpPr>
-          <p:cNvPr id="2" name="Espaço Reservado para Imagem de Slide 1"/>
-          <p:cNvSpPr>
-            <a:spLocks noGrp="1" noRot="1" noChangeAspect="1"/>
-          </p:cNvSpPr>
-          <p:nvPr>
-            <p:ph type="sldImg"/>
-          </p:nvPr>
-        </p:nvSpPr>
-        <p:spPr/>
-      </p:sp>
-      <p:sp>
-        <p:nvSpPr>
-          <p:cNvPr id="3" name="Espaço Reservado para Anotações 2"/>
-          <p:cNvSpPr>
-            <a:spLocks noGrp="1"/>
-          </p:cNvSpPr>
-          <p:nvPr>
-            <p:ph type="body" idx="1"/>
-          </p:nvPr>
-        </p:nvSpPr>
-        <p:spPr/>
-        <p:txBody>
-          <a:bodyPr/>
-          <a:lstStyle/>
-          <a:p>
-            <a:r>
-              <a:rPr lang="pt-BR" dirty="0"/>
-              <a:t>A função </a:t>
-            </a:r>
-            <a:r>
-              <a:rPr lang="pt-BR" dirty="0" err="1"/>
-              <a:t>cin.ignore</a:t>
-            </a:r>
-            <a:r>
-              <a:rPr lang="pt-BR" dirty="0"/>
-              <a:t>( ) também pode ser usada para descartar um caractere do buffer. </a:t>
-            </a:r>
-          </a:p>
-        </p:txBody>
-      </p:sp>
-      <p:sp>
-        <p:nvSpPr>
-          <p:cNvPr id="4" name="Espaço Reservado para Número de Slide 3"/>
-          <p:cNvSpPr>
-            <a:spLocks noGrp="1"/>
-          </p:cNvSpPr>
-          <p:nvPr>
-            <p:ph type="sldNum" sz="quarter" idx="10"/>
-          </p:nvPr>
-        </p:nvSpPr>
-        <p:spPr/>
-        <p:txBody>
-          <a:bodyPr/>
-          <a:lstStyle/>
-          <a:p>
-            <a:fld id="{0CCBE35C-FFF7-45E7-A1F3-86D06533C3F2}" type="slidenum">
-              <a:rPr lang="pt-BR" smtClean="0"/>
-              <a:pPr/>
-              <a:t>20</a:t>
-            </a:fld>
-            <a:endParaRPr lang="pt-BR"/>
-          </a:p>
-        </p:txBody>
-      </p:sp>
-    </p:spTree>
-    <p:extLst>
-      <p:ext uri="{BB962C8B-B14F-4D97-AF65-F5344CB8AC3E}">
-        <p14:creationId xmlns:p14="http://schemas.microsoft.com/office/powerpoint/2010/main" val="2905063770"/>
       </p:ext>
     </p:extLst>
   </p:cSld>
@@ -4532,7 +4859,15 @@
           <a:p>
             <a:r>
               <a:rPr lang="pt-BR" dirty="0"/>
-              <a:t>Tratando os vetores e strings como endereços não é necessário copiar o vetor de um lado para outro, passe-se apenas seu endereço.</a:t>
+              <a:t>A função </a:t>
+            </a:r>
+            <a:r>
+              <a:rPr lang="pt-BR" dirty="0" err="1"/>
+              <a:t>cin.ignore</a:t>
+            </a:r>
+            <a:r>
+              <a:rPr lang="pt-BR" dirty="0"/>
+              <a:t>( ) também pode ser usada para descartar um caractere do buffer. </a:t>
             </a:r>
           </a:p>
         </p:txBody>
@@ -4544,7 +4879,7 @@
             <a:spLocks noGrp="1"/>
           </p:cNvSpPr>
           <p:nvPr>
-            <p:ph type="sldNum" sz="quarter" idx="5"/>
+            <p:ph type="sldNum" sz="quarter" idx="10"/>
           </p:nvPr>
         </p:nvSpPr>
         <p:spPr/>
@@ -4555,7 +4890,7 @@
             <a:fld id="{0CCBE35C-FFF7-45E7-A1F3-86D06533C3F2}" type="slidenum">
               <a:rPr lang="pt-BR" smtClean="0"/>
               <a:pPr/>
-              <a:t>24</a:t>
+              <a:t>20</a:t>
             </a:fld>
             <a:endParaRPr lang="pt-BR"/>
           </a:p>
@@ -4564,7 +4899,7 @@
     </p:spTree>
     <p:extLst>
       <p:ext uri="{BB962C8B-B14F-4D97-AF65-F5344CB8AC3E}">
-        <p14:creationId xmlns:p14="http://schemas.microsoft.com/office/powerpoint/2010/main" val="2961421044"/>
+        <p14:creationId xmlns:p14="http://schemas.microsoft.com/office/powerpoint/2010/main" val="2905063770"/>
       </p:ext>
     </p:extLst>
   </p:cSld>
@@ -4591,6 +4926,37 @@
           <a:chExt cx="0" cy="0"/>
         </a:xfrm>
       </p:grpSpPr>
+      <p:pic>
+        <p:nvPicPr>
+          <p:cNvPr id="13" name="Picture 3" descr="Rede de tecnologia iluminada em uma tela de fundo escura">
+            <a:extLst>
+              <a:ext uri="{FF2B5EF4-FFF2-40B4-BE49-F238E27FC236}">
+                <a16:creationId xmlns:a16="http://schemas.microsoft.com/office/drawing/2014/main" id="{AFA294C9-4BC2-417F-86BE-388F2DF740D8}"/>
+              </a:ext>
+            </a:extLst>
+          </p:cNvPr>
+          <p:cNvPicPr>
+            <a:picLocks noChangeAspect="1"/>
+          </p:cNvPicPr>
+          <p:nvPr userDrawn="1"/>
+        </p:nvPicPr>
+        <p:blipFill rotWithShape="1">
+          <a:blip r:embed="rId2">
+            <a:alphaModFix amt="30000"/>
+          </a:blip>
+          <a:srcRect t="22329"/>
+          <a:stretch/>
+        </p:blipFill>
+        <p:spPr>
+          <a:xfrm flipH="1" flipV="1">
+            <a:off x="487680" y="0"/>
+            <a:ext cx="11704320" cy="6858000"/>
+          </a:xfrm>
+          <a:prstGeom prst="rect">
+            <a:avLst/>
+          </a:prstGeom>
+        </p:spPr>
+      </p:pic>
       <p:sp>
         <p:nvSpPr>
           <p:cNvPr id="28" name="Espaço Reservado para Data 27"/>
@@ -4609,7 +4975,7 @@
             <a:fld id="{D7C55EEC-0318-498A-BF02-D605D7177864}" type="datetimeFigureOut">
               <a:rPr lang="pt-BR" smtClean="0"/>
               <a:pPr/>
-              <a:t>28/10/2019</a:t>
+              <a:t>08/04/2021</a:t>
             </a:fld>
             <a:endParaRPr lang="pt-BR"/>
           </a:p>
@@ -5164,7 +5530,7 @@
             <a:fld id="{D7C55EEC-0318-498A-BF02-D605D7177864}" type="datetimeFigureOut">
               <a:rPr lang="pt-BR" smtClean="0"/>
               <a:pPr/>
-              <a:t>28/10/2019</a:t>
+              <a:t>08/04/2021</a:t>
             </a:fld>
             <a:endParaRPr lang="pt-BR"/>
           </a:p>
@@ -5341,7 +5707,7 @@
             <a:fld id="{D7C55EEC-0318-498A-BF02-D605D7177864}" type="datetimeFigureOut">
               <a:rPr lang="pt-BR" smtClean="0"/>
               <a:pPr/>
-              <a:t>28/10/2019</a:t>
+              <a:t>08/04/2021</a:t>
             </a:fld>
             <a:endParaRPr lang="pt-BR"/>
           </a:p>
@@ -5508,7 +5874,7 @@
             <a:fld id="{D7C55EEC-0318-498A-BF02-D605D7177864}" type="datetimeFigureOut">
               <a:rPr lang="pt-BR" smtClean="0"/>
               <a:pPr/>
-              <a:t>28/10/2019</a:t>
+              <a:t>08/04/2021</a:t>
             </a:fld>
             <a:endParaRPr lang="pt-BR"/>
           </a:p>
@@ -6957,7 +7323,7 @@
             <a:fld id="{D7C55EEC-0318-498A-BF02-D605D7177864}" type="datetimeFigureOut">
               <a:rPr lang="pt-BR" smtClean="0"/>
               <a:pPr/>
-              <a:t>28/10/2019</a:t>
+              <a:t>08/04/2021</a:t>
             </a:fld>
             <a:endParaRPr lang="pt-BR"/>
           </a:p>
@@ -7539,7 +7905,7 @@
             <a:fld id="{D7C55EEC-0318-498A-BF02-D605D7177864}" type="datetimeFigureOut">
               <a:rPr lang="pt-BR" smtClean="0"/>
               <a:pPr/>
-              <a:t>28/10/2019</a:t>
+              <a:t>08/04/2021</a:t>
             </a:fld>
             <a:endParaRPr lang="pt-BR"/>
           </a:p>
@@ -7970,7 +8336,7 @@
             <a:fld id="{D7C55EEC-0318-498A-BF02-D605D7177864}" type="datetimeFigureOut">
               <a:rPr lang="pt-BR" smtClean="0"/>
               <a:pPr/>
-              <a:t>28/10/2019</a:t>
+              <a:t>08/04/2021</a:t>
             </a:fld>
             <a:endParaRPr lang="pt-BR"/>
           </a:p>
@@ -8509,7 +8875,7 @@
             <a:fld id="{D7C55EEC-0318-498A-BF02-D605D7177864}" type="datetimeFigureOut">
               <a:rPr lang="pt-BR" smtClean="0"/>
               <a:pPr/>
-              <a:t>28/10/2019</a:t>
+              <a:t>08/04/2021</a:t>
             </a:fld>
             <a:endParaRPr lang="pt-BR"/>
           </a:p>
@@ -8601,7 +8967,7 @@
             <a:fld id="{D7C55EEC-0318-498A-BF02-D605D7177864}" type="datetimeFigureOut">
               <a:rPr lang="pt-BR" smtClean="0"/>
               <a:pPr/>
-              <a:t>28/10/2019</a:t>
+              <a:t>08/04/2021</a:t>
             </a:fld>
             <a:endParaRPr lang="pt-BR"/>
           </a:p>
@@ -8851,7 +9217,7 @@
             <a:fld id="{D7C55EEC-0318-498A-BF02-D605D7177864}" type="datetimeFigureOut">
               <a:rPr lang="pt-BR" smtClean="0"/>
               <a:pPr/>
-              <a:t>28/10/2019</a:t>
+              <a:t>08/04/2021</a:t>
             </a:fld>
             <a:endParaRPr lang="pt-BR"/>
           </a:p>
@@ -9566,7 +9932,7 @@
             <a:fld id="{D7C55EEC-0318-498A-BF02-D605D7177864}" type="datetimeFigureOut">
               <a:rPr lang="pt-BR" smtClean="0"/>
               <a:pPr/>
-              <a:t>28/10/2019</a:t>
+              <a:t>08/04/2021</a:t>
             </a:fld>
             <a:endParaRPr lang="pt-BR"/>
           </a:p>
@@ -9637,9 +10003,23 @@
 <p:sldMaster xmlns:a="http://schemas.openxmlformats.org/drawingml/2006/main" xmlns:r="http://schemas.openxmlformats.org/officeDocument/2006/relationships" xmlns:p="http://schemas.openxmlformats.org/presentationml/2006/main">
   <p:cSld>
     <p:bg>
-      <p:bgRef idx="1002">
-        <a:schemeClr val="bg2"/>
-      </p:bgRef>
+      <p:bgPr>
+        <a:gradFill rotWithShape="1">
+          <a:gsLst>
+            <a:gs pos="50000">
+              <a:schemeClr val="bg1">
+                <a:shade val="90000"/>
+                <a:satMod val="375000"/>
+              </a:schemeClr>
+            </a:gs>
+            <a:gs pos="100000">
+              <a:srgbClr val="28415E"/>
+            </a:gs>
+          </a:gsLst>
+          <a:lin ang="5400000" scaled="0"/>
+        </a:gradFill>
+        <a:effectLst/>
+      </p:bgPr>
     </p:bg>
     <p:spTree>
       <p:nvGrpSpPr>
@@ -9833,7 +10213,7 @@
             <a:fld id="{D7C55EEC-0318-498A-BF02-D605D7177864}" type="datetimeFigureOut">
               <a:rPr lang="pt-BR" smtClean="0"/>
               <a:pPr/>
-              <a:t>28/10/2019</a:t>
+              <a:t>08/04/2021</a:t>
             </a:fld>
             <a:endParaRPr lang="pt-BR"/>
           </a:p>
@@ -10441,10 +10821,9 @@
           <a:lstStyle/>
           <a:p>
             <a:r>
-              <a:rPr lang="pt-BR" dirty="0" err="1"/>
+              <a:rPr lang="pt-BR" dirty="0"/>
               <a:t>Strings</a:t>
             </a:r>
-            <a:endParaRPr lang="pt-BR" dirty="0"/>
           </a:p>
         </p:txBody>
       </p:sp>
@@ -10465,21 +10844,8 @@
           <a:p>
             <a:r>
               <a:rPr lang="pt-BR" dirty="0"/>
-              <a:t>Tipos Compostos </a:t>
-            </a:r>
-            <a:r>
-              <a:rPr lang="pt-BR"/>
-              <a:t>de </a:t>
-            </a:r>
-            <a:r>
-              <a:rPr lang="pt-BR" dirty="0"/>
-              <a:t>D</a:t>
-            </a:r>
-            <a:r>
-              <a:rPr lang="pt-BR"/>
-              <a:t>ados</a:t>
-            </a:r>
-            <a:endParaRPr lang="pt-BR" dirty="0"/>
+              <a:t>Tipos Compostos de Dados</a:t>
+            </a:r>
           </a:p>
         </p:txBody>
       </p:sp>
@@ -11272,6 +11638,49 @@
           </a:p>
         </p:txBody>
       </p:sp>
+      <p:sp>
+        <p:nvSpPr>
+          <p:cNvPr id="5" name="CaixaDeTexto 4">
+            <a:extLst>
+              <a:ext uri="{FF2B5EF4-FFF2-40B4-BE49-F238E27FC236}">
+                <a16:creationId xmlns:a16="http://schemas.microsoft.com/office/drawing/2014/main" id="{4EB0A6F8-619D-4301-8717-26F368E65C7E}"/>
+              </a:ext>
+            </a:extLst>
+          </p:cNvPr>
+          <p:cNvSpPr txBox="1"/>
+          <p:nvPr/>
+        </p:nvSpPr>
+        <p:spPr>
+          <a:xfrm rot="16200000">
+            <a:off x="-714272" y="5774776"/>
+            <a:ext cx="1800200" cy="276999"/>
+          </a:xfrm>
+          <a:prstGeom prst="rect">
+            <a:avLst/>
+          </a:prstGeom>
+          <a:noFill/>
+        </p:spPr>
+        <p:txBody>
+          <a:bodyPr wrap="square" rtlCol="0">
+            <a:spAutoFit/>
+          </a:bodyPr>
+          <a:lstStyle/>
+          <a:p>
+            <a:r>
+              <a:rPr lang="pt-BR" sz="1200" dirty="0">
+                <a:solidFill>
+                  <a:schemeClr val="bg2">
+                    <a:lumMod val="60000"/>
+                    <a:lumOff val="40000"/>
+                  </a:schemeClr>
+                </a:solidFill>
+                <a:latin typeface="+mj-lt"/>
+              </a:rPr>
+              <a:t>// Cowboy.cpp</a:t>
+            </a:r>
+          </a:p>
+        </p:txBody>
+      </p:sp>
     </p:spTree>
   </p:cSld>
   <p:clrMapOvr>
@@ -12115,6 +12524,49 @@
                 <a:latin typeface="+mj-lt"/>
               </a:rPr>
               <a:t>}</a:t>
+            </a:r>
+          </a:p>
+        </p:txBody>
+      </p:sp>
+      <p:sp>
+        <p:nvSpPr>
+          <p:cNvPr id="5" name="CaixaDeTexto 4">
+            <a:extLst>
+              <a:ext uri="{FF2B5EF4-FFF2-40B4-BE49-F238E27FC236}">
+                <a16:creationId xmlns:a16="http://schemas.microsoft.com/office/drawing/2014/main" id="{F0831746-3CA2-40B8-900F-0540054EEF34}"/>
+              </a:ext>
+            </a:extLst>
+          </p:cNvPr>
+          <p:cNvSpPr txBox="1"/>
+          <p:nvPr/>
+        </p:nvSpPr>
+        <p:spPr>
+          <a:xfrm rot="16200000">
+            <a:off x="-714272" y="5774776"/>
+            <a:ext cx="1800200" cy="276999"/>
+          </a:xfrm>
+          <a:prstGeom prst="rect">
+            <a:avLst/>
+          </a:prstGeom>
+          <a:noFill/>
+        </p:spPr>
+        <p:txBody>
+          <a:bodyPr wrap="square" rtlCol="0">
+            <a:spAutoFit/>
+          </a:bodyPr>
+          <a:lstStyle/>
+          <a:p>
+            <a:r>
+              <a:rPr lang="pt-BR" sz="1200" dirty="0">
+                <a:solidFill>
+                  <a:schemeClr val="bg2">
+                    <a:lumMod val="60000"/>
+                    <a:lumOff val="40000"/>
+                  </a:schemeClr>
+                </a:solidFill>
+                <a:latin typeface="+mj-lt"/>
+              </a:rPr>
+              <a:t>// Nome.cpp</a:t>
             </a:r>
           </a:p>
         </p:txBody>
@@ -14234,6 +14686,49 @@
           </a:p>
         </p:txBody>
       </p:sp>
+      <p:sp>
+        <p:nvSpPr>
+          <p:cNvPr id="5" name="CaixaDeTexto 4">
+            <a:extLst>
+              <a:ext uri="{FF2B5EF4-FFF2-40B4-BE49-F238E27FC236}">
+                <a16:creationId xmlns:a16="http://schemas.microsoft.com/office/drawing/2014/main" id="{B54A142B-18E8-4834-92C4-68F5815F596A}"/>
+              </a:ext>
+            </a:extLst>
+          </p:cNvPr>
+          <p:cNvSpPr txBox="1"/>
+          <p:nvPr/>
+        </p:nvSpPr>
+        <p:spPr>
+          <a:xfrm rot="16200000">
+            <a:off x="-714272" y="5774776"/>
+            <a:ext cx="1800200" cy="276999"/>
+          </a:xfrm>
+          <a:prstGeom prst="rect">
+            <a:avLst/>
+          </a:prstGeom>
+          <a:noFill/>
+        </p:spPr>
+        <p:txBody>
+          <a:bodyPr wrap="square" rtlCol="0">
+            <a:spAutoFit/>
+          </a:bodyPr>
+          <a:lstStyle/>
+          <a:p>
+            <a:r>
+              <a:rPr lang="pt-BR" sz="1200" dirty="0">
+                <a:solidFill>
+                  <a:schemeClr val="bg2">
+                    <a:lumMod val="60000"/>
+                    <a:lumOff val="40000"/>
+                  </a:schemeClr>
+                </a:solidFill>
+                <a:latin typeface="+mj-lt"/>
+              </a:rPr>
+              <a:t>// Sobremesa.cpp</a:t>
+            </a:r>
+          </a:p>
+        </p:txBody>
+      </p:sp>
     </p:spTree>
   </p:cSld>
   <p:clrMapOvr>
@@ -15084,6 +15579,49 @@
                 <a:latin typeface="+mj-lt"/>
               </a:rPr>
               <a:t>}</a:t>
+            </a:r>
+          </a:p>
+        </p:txBody>
+      </p:sp>
+      <p:sp>
+        <p:nvSpPr>
+          <p:cNvPr id="5" name="CaixaDeTexto 4">
+            <a:extLst>
+              <a:ext uri="{FF2B5EF4-FFF2-40B4-BE49-F238E27FC236}">
+                <a16:creationId xmlns:a16="http://schemas.microsoft.com/office/drawing/2014/main" id="{53ACA092-E186-43F3-AF49-F19B9D58AF1A}"/>
+              </a:ext>
+            </a:extLst>
+          </p:cNvPr>
+          <p:cNvSpPr txBox="1"/>
+          <p:nvPr/>
+        </p:nvSpPr>
+        <p:spPr>
+          <a:xfrm rot="16200000">
+            <a:off x="-714272" y="5774776"/>
+            <a:ext cx="1800200" cy="276999"/>
+          </a:xfrm>
+          <a:prstGeom prst="rect">
+            <a:avLst/>
+          </a:prstGeom>
+          <a:noFill/>
+        </p:spPr>
+        <p:txBody>
+          <a:bodyPr wrap="square" rtlCol="0">
+            <a:spAutoFit/>
+          </a:bodyPr>
+          <a:lstStyle/>
+          <a:p>
+            <a:r>
+              <a:rPr lang="pt-BR" sz="1200" dirty="0">
+                <a:solidFill>
+                  <a:schemeClr val="bg2">
+                    <a:lumMod val="60000"/>
+                    <a:lumOff val="40000"/>
+                  </a:schemeClr>
+                </a:solidFill>
+                <a:latin typeface="+mj-lt"/>
+              </a:rPr>
+              <a:t>// Casa.cpp</a:t>
             </a:r>
           </a:p>
         </p:txBody>
@@ -19378,7 +19916,7 @@
               <a:rPr lang="pt-BR" dirty="0">
                 <a:latin typeface="+mj-lt"/>
               </a:rPr>
-              <a:t>animal = felino;   </a:t>
+              <a:t>animal = felino;  </a:t>
             </a:r>
             <a:r>
               <a:rPr lang="pt-BR" b="1" dirty="0">
@@ -19386,7 +19924,7 @@
                   <a:srgbClr val="FF0000"/>
                 </a:solidFill>
               </a:rPr>
-              <a:t>X</a:t>
+              <a:t>x</a:t>
             </a:r>
             <a:r>
               <a:rPr lang="pt-BR" b="1" dirty="0">
@@ -19395,7 +19933,7 @@
                 </a:solidFill>
                 <a:latin typeface="+mj-lt"/>
               </a:rPr>
-              <a:t> </a:t>
+              <a:t>   </a:t>
             </a:r>
             <a:r>
               <a:rPr lang="pt-BR" dirty="0">
@@ -19443,7 +19981,7 @@
                 </a:solidFill>
                 <a:latin typeface="+mj-lt"/>
               </a:rPr>
-              <a:t>  </a:t>
+              <a:t> </a:t>
             </a:r>
             <a:r>
               <a:rPr lang="pt-BR" b="1" dirty="0">
@@ -19451,7 +19989,7 @@
                   <a:srgbClr val="FF0000"/>
                 </a:solidFill>
               </a:rPr>
-              <a:t>X</a:t>
+              <a:t>x</a:t>
             </a:r>
             <a:r>
               <a:rPr lang="pt-BR" b="1" dirty="0">
@@ -19460,7 +19998,7 @@
                 </a:solidFill>
                 <a:latin typeface="+mj-lt"/>
               </a:rPr>
-              <a:t> </a:t>
+              <a:t>   </a:t>
             </a:r>
             <a:r>
               <a:rPr lang="pt-BR" dirty="0">
@@ -21118,7 +21656,13 @@
                   </a:solidFill>
                   <a:latin typeface="+mj-lt"/>
                 </a:rPr>
-                <a:t> felino</a:t>
+                <a:t> </a:t>
+              </a:r>
+              <a:r>
+                <a:rPr lang="pt-BR" sz="1400" dirty="0">
+                  <a:latin typeface="+mj-lt"/>
+                </a:rPr>
+                <a:t>felino</a:t>
               </a:r>
             </a:p>
           </p:txBody>
@@ -22836,6 +23380,49 @@
           </p:txBody>
         </p:sp>
       </p:grpSp>
+      <p:sp>
+        <p:nvSpPr>
+          <p:cNvPr id="8" name="CaixaDeTexto 7">
+            <a:extLst>
+              <a:ext uri="{FF2B5EF4-FFF2-40B4-BE49-F238E27FC236}">
+                <a16:creationId xmlns:a16="http://schemas.microsoft.com/office/drawing/2014/main" id="{9D23BA00-4425-4B0E-8938-D2FB1C07DCBC}"/>
+              </a:ext>
+            </a:extLst>
+          </p:cNvPr>
+          <p:cNvSpPr txBox="1"/>
+          <p:nvPr/>
+        </p:nvSpPr>
+        <p:spPr>
+          <a:xfrm rot="16200000">
+            <a:off x="-714272" y="5774776"/>
+            <a:ext cx="1800200" cy="276999"/>
+          </a:xfrm>
+          <a:prstGeom prst="rect">
+            <a:avLst/>
+          </a:prstGeom>
+          <a:noFill/>
+        </p:spPr>
+        <p:txBody>
+          <a:bodyPr wrap="square" rtlCol="0">
+            <a:spAutoFit/>
+          </a:bodyPr>
+          <a:lstStyle/>
+          <a:p>
+            <a:r>
+              <a:rPr lang="pt-BR" sz="1200" dirty="0">
+                <a:solidFill>
+                  <a:schemeClr val="bg2">
+                    <a:lumMod val="60000"/>
+                    <a:lumOff val="40000"/>
+                  </a:schemeClr>
+                </a:solidFill>
+                <a:latin typeface="+mj-lt"/>
+              </a:rPr>
+              <a:t>// Copiando.cpp</a:t>
+            </a:r>
+          </a:p>
+        </p:txBody>
+      </p:sp>
     </p:spTree>
     <p:extLst>
       <p:ext uri="{BB962C8B-B14F-4D97-AF65-F5344CB8AC3E}">
@@ -24249,6 +24836,49 @@
           </a:p>
         </p:txBody>
       </p:sp>
+      <p:sp>
+        <p:nvSpPr>
+          <p:cNvPr id="4" name="CaixaDeTexto 3">
+            <a:extLst>
+              <a:ext uri="{FF2B5EF4-FFF2-40B4-BE49-F238E27FC236}">
+                <a16:creationId xmlns:a16="http://schemas.microsoft.com/office/drawing/2014/main" id="{6F98DBB6-BB10-449F-9E97-D490D98042F1}"/>
+              </a:ext>
+            </a:extLst>
+          </p:cNvPr>
+          <p:cNvSpPr txBox="1"/>
+          <p:nvPr/>
+        </p:nvSpPr>
+        <p:spPr>
+          <a:xfrm rot="16200000">
+            <a:off x="-714272" y="5774776"/>
+            <a:ext cx="1800200" cy="276999"/>
+          </a:xfrm>
+          <a:prstGeom prst="rect">
+            <a:avLst/>
+          </a:prstGeom>
+          <a:noFill/>
+        </p:spPr>
+        <p:txBody>
+          <a:bodyPr wrap="square" rtlCol="0">
+            <a:spAutoFit/>
+          </a:bodyPr>
+          <a:lstStyle/>
+          <a:p>
+            <a:r>
+              <a:rPr lang="pt-BR" sz="1200" dirty="0">
+                <a:solidFill>
+                  <a:schemeClr val="bg2">
+                    <a:lumMod val="60000"/>
+                    <a:lumOff val="40000"/>
+                  </a:schemeClr>
+                </a:solidFill>
+                <a:latin typeface="+mj-lt"/>
+              </a:rPr>
+              <a:t>// TipoString.cpp</a:t>
+            </a:r>
+          </a:p>
+        </p:txBody>
+      </p:sp>
     </p:spTree>
     <p:extLst>
       <p:ext uri="{BB962C8B-B14F-4D97-AF65-F5344CB8AC3E}">
@@ -24407,8 +25037,8 @@
               <a:rPr lang="pt-BR" b="1" dirty="0">
                 <a:solidFill>
                   <a:schemeClr val="accent3">
-                    <a:lumMod val="20000"/>
-                    <a:lumOff val="80000"/>
+                    <a:lumMod val="60000"/>
+                    <a:lumOff val="40000"/>
                   </a:schemeClr>
                 </a:solidFill>
                 <a:latin typeface="Consolas" pitchFamily="49" charset="0"/>
@@ -24422,8 +25052,8 @@
               <a:rPr lang="pt-BR" b="1" dirty="0">
                 <a:solidFill>
                   <a:schemeClr val="accent3">
-                    <a:lumMod val="20000"/>
-                    <a:lumOff val="80000"/>
+                    <a:lumMod val="60000"/>
+                    <a:lumOff val="40000"/>
                   </a:schemeClr>
                 </a:solidFill>
                 <a:latin typeface="Consolas" pitchFamily="49" charset="0"/>
@@ -25808,24 +26438,34 @@
                 <a:latin typeface="Consolas" pitchFamily="49" charset="0"/>
                 <a:cs typeface="Consolas" pitchFamily="49" charset="0"/>
               </a:rPr>
-              <a:t>animal = felino;            </a:t>
-            </a:r>
-            <a:r>
-              <a:rPr lang="pt-BR" sz="1600" dirty="0">
-                <a:solidFill>
-                  <a:srgbClr val="C00000"/>
-                </a:solidFill>
-                <a:latin typeface="Consolas" pitchFamily="49" charset="0"/>
-                <a:cs typeface="Consolas" pitchFamily="49" charset="0"/>
-              </a:rPr>
-              <a:t>// atribuição inválida de vetores</a:t>
-            </a:r>
-            <a:r>
-              <a:rPr lang="pt-BR" sz="1600" dirty="0">
-                <a:latin typeface="Consolas" pitchFamily="49" charset="0"/>
-                <a:cs typeface="Consolas" pitchFamily="49" charset="0"/>
-              </a:rPr>
-              <a:t> </a:t>
+              <a:t>animal = felino; </a:t>
+            </a:r>
+            <a:r>
+              <a:rPr lang="pt-BR" sz="1600" b="1" dirty="0">
+                <a:solidFill>
+                  <a:srgbClr val="FF0000"/>
+                </a:solidFill>
+              </a:rPr>
+              <a:t>x</a:t>
+            </a:r>
+            <a:r>
+              <a:rPr lang="pt-BR" sz="1600" dirty="0">
+                <a:latin typeface="Consolas" pitchFamily="49" charset="0"/>
+                <a:cs typeface="Consolas" pitchFamily="49" charset="0"/>
+              </a:rPr>
+              <a:t>          </a:t>
+            </a:r>
+            <a:r>
+              <a:rPr lang="pt-BR" sz="1600" dirty="0">
+                <a:solidFill>
+                  <a:schemeClr val="tx1">
+                    <a:lumMod val="50000"/>
+                  </a:schemeClr>
+                </a:solidFill>
+                <a:latin typeface="Consolas" pitchFamily="49" charset="0"/>
+                <a:cs typeface="Consolas" pitchFamily="49" charset="0"/>
+              </a:rPr>
+              <a:t>// atribuição inválida de vetores </a:t>
             </a:r>
           </a:p>
           <a:p>
@@ -26847,6 +27487,49 @@
           </a:p>
         </p:txBody>
       </p:sp>
+      <p:sp>
+        <p:nvSpPr>
+          <p:cNvPr id="4" name="CaixaDeTexto 3">
+            <a:extLst>
+              <a:ext uri="{FF2B5EF4-FFF2-40B4-BE49-F238E27FC236}">
+                <a16:creationId xmlns:a16="http://schemas.microsoft.com/office/drawing/2014/main" id="{F594EA22-75C9-40A2-8C1F-9566774FFD20}"/>
+              </a:ext>
+            </a:extLst>
+          </p:cNvPr>
+          <p:cNvSpPr txBox="1"/>
+          <p:nvPr/>
+        </p:nvSpPr>
+        <p:spPr>
+          <a:xfrm rot="16200000">
+            <a:off x="-714272" y="5774776"/>
+            <a:ext cx="1800200" cy="276999"/>
+          </a:xfrm>
+          <a:prstGeom prst="rect">
+            <a:avLst/>
+          </a:prstGeom>
+          <a:noFill/>
+        </p:spPr>
+        <p:txBody>
+          <a:bodyPr wrap="square" rtlCol="0">
+            <a:spAutoFit/>
+          </a:bodyPr>
+          <a:lstStyle/>
+          <a:p>
+            <a:r>
+              <a:rPr lang="pt-BR" sz="1200" dirty="0">
+                <a:solidFill>
+                  <a:schemeClr val="bg2">
+                    <a:lumMod val="60000"/>
+                    <a:lumOff val="40000"/>
+                  </a:schemeClr>
+                </a:solidFill>
+                <a:latin typeface="+mj-lt"/>
+              </a:rPr>
+              <a:t>// AtribConcat.cpp</a:t>
+            </a:r>
+          </a:p>
+        </p:txBody>
+      </p:sp>
     </p:spTree>
     <p:extLst>
       <p:ext uri="{BB962C8B-B14F-4D97-AF65-F5344CB8AC3E}">
@@ -27906,6 +28589,49 @@
           </a:p>
         </p:txBody>
       </p:sp>
+      <p:sp>
+        <p:nvSpPr>
+          <p:cNvPr id="4" name="CaixaDeTexto 3">
+            <a:extLst>
+              <a:ext uri="{FF2B5EF4-FFF2-40B4-BE49-F238E27FC236}">
+                <a16:creationId xmlns:a16="http://schemas.microsoft.com/office/drawing/2014/main" id="{85CC87CE-FA93-4749-B023-0A4E2108EF76}"/>
+              </a:ext>
+            </a:extLst>
+          </p:cNvPr>
+          <p:cNvSpPr txBox="1"/>
+          <p:nvPr/>
+        </p:nvSpPr>
+        <p:spPr>
+          <a:xfrm rot="16200000">
+            <a:off x="-714272" y="5774776"/>
+            <a:ext cx="1800200" cy="276999"/>
+          </a:xfrm>
+          <a:prstGeom prst="rect">
+            <a:avLst/>
+          </a:prstGeom>
+          <a:noFill/>
+        </p:spPr>
+        <p:txBody>
+          <a:bodyPr wrap="square" rtlCol="0">
+            <a:spAutoFit/>
+          </a:bodyPr>
+          <a:lstStyle/>
+          <a:p>
+            <a:r>
+              <a:rPr lang="pt-BR" sz="1200" dirty="0">
+                <a:solidFill>
+                  <a:schemeClr val="bg2">
+                    <a:lumMod val="60000"/>
+                    <a:lumOff val="40000"/>
+                  </a:schemeClr>
+                </a:solidFill>
+                <a:latin typeface="+mj-lt"/>
+              </a:rPr>
+              <a:t>// Comprimento.cpp</a:t>
+            </a:r>
+          </a:p>
+        </p:txBody>
+      </p:sp>
     </p:spTree>
     <p:extLst>
       <p:ext uri="{BB962C8B-B14F-4D97-AF65-F5344CB8AC3E}">
@@ -28114,7 +28840,10 @@
             <a:r>
               <a:rPr lang="pt-BR" dirty="0">
                 <a:solidFill>
-                  <a:schemeClr val="accent3"/>
+                  <a:schemeClr val="accent3">
+                    <a:lumMod val="60000"/>
+                    <a:lumOff val="40000"/>
+                  </a:schemeClr>
                 </a:solidFill>
                 <a:latin typeface="Consolas" pitchFamily="49" charset="0"/>
                 <a:cs typeface="Consolas" pitchFamily="49" charset="0"/>
@@ -28124,7 +28853,10 @@
             <a:r>
               <a:rPr lang="pt-BR" dirty="0" err="1">
                 <a:solidFill>
-                  <a:schemeClr val="accent3"/>
+                  <a:schemeClr val="accent3">
+                    <a:lumMod val="60000"/>
+                    <a:lumOff val="40000"/>
+                  </a:schemeClr>
                 </a:solidFill>
                 <a:latin typeface="Consolas" pitchFamily="49" charset="0"/>
                 <a:cs typeface="Consolas" pitchFamily="49" charset="0"/>
@@ -28133,7 +28865,10 @@
             </a:r>
             <a:endParaRPr lang="pt-BR" dirty="0">
               <a:solidFill>
-                <a:schemeClr val="accent3"/>
+                <a:schemeClr val="accent3">
+                  <a:lumMod val="60000"/>
+                  <a:lumOff val="40000"/>
+                </a:schemeClr>
               </a:solidFill>
               <a:latin typeface="Consolas" pitchFamily="49" charset="0"/>
               <a:cs typeface="Consolas" pitchFamily="49" charset="0"/>
@@ -28143,7 +28878,10 @@
             <a:r>
               <a:rPr lang="pt-BR" dirty="0">
                 <a:solidFill>
-                  <a:schemeClr val="accent3"/>
+                  <a:schemeClr val="accent3">
+                    <a:lumMod val="60000"/>
+                    <a:lumOff val="40000"/>
+                  </a:schemeClr>
                 </a:solidFill>
                 <a:latin typeface="Consolas" pitchFamily="49" charset="0"/>
                 <a:cs typeface="Consolas" pitchFamily="49" charset="0"/>
@@ -28153,7 +28891,10 @@
             <a:r>
               <a:rPr lang="pt-BR" dirty="0" err="1">
                 <a:solidFill>
-                  <a:schemeClr val="accent3"/>
+                  <a:schemeClr val="accent3">
+                    <a:lumMod val="60000"/>
+                    <a:lumOff val="40000"/>
+                  </a:schemeClr>
                 </a:solidFill>
                 <a:latin typeface="Consolas" pitchFamily="49" charset="0"/>
                 <a:cs typeface="Consolas" pitchFamily="49" charset="0"/>
@@ -28162,7 +28903,10 @@
             </a:r>
             <a:endParaRPr lang="pt-BR" dirty="0">
               <a:solidFill>
-                <a:schemeClr val="accent3"/>
+                <a:schemeClr val="accent3">
+                  <a:lumMod val="60000"/>
+                  <a:lumOff val="40000"/>
+                </a:schemeClr>
               </a:solidFill>
               <a:latin typeface="Consolas" pitchFamily="49" charset="0"/>
               <a:cs typeface="Consolas" pitchFamily="49" charset="0"/>
@@ -28756,27 +29500,46 @@
             </a:endParaRPr>
           </a:p>
           <a:p>
-            <a:pPr lvl="1"/>
+            <a:pPr lvl="1">
+              <a:spcAft>
+                <a:spcPts val="1800"/>
+              </a:spcAft>
+            </a:pPr>
             <a:r>
               <a:rPr lang="pt-BR" dirty="0"/>
-              <a:t>O gerenciamento automático do tamanho da string traz um </a:t>
+              <a:t>O gerenciamento automático do tamanho da </a:t>
+            </a:r>
+            <a:r>
+              <a:rPr lang="pt-BR"/>
+              <a:t>string </a:t>
             </a:r>
             <a:br>
-              <a:rPr lang="pt-BR" dirty="0"/>
+              <a:rPr lang="pt-BR"/>
             </a:br>
             <a:r>
-              <a:rPr lang="pt-BR" dirty="0">
+              <a:rPr lang="pt-BR"/>
+              <a:t>traz um </a:t>
+            </a:r>
+            <a:r>
+              <a:rPr lang="pt-BR">
                 <a:solidFill>
                   <a:schemeClr val="accent3">
                     <a:lumMod val="75000"/>
                   </a:schemeClr>
                 </a:solidFill>
               </a:rPr>
-              <a:t>custo ao desempenho do programa</a:t>
-            </a:r>
-          </a:p>
-          <a:p>
-            <a:endParaRPr lang="pt-BR" dirty="0"/>
+              <a:t>custo </a:t>
+            </a:r>
+            <a:r>
+              <a:rPr lang="pt-BR" dirty="0">
+                <a:solidFill>
+                  <a:schemeClr val="accent3">
+                    <a:lumMod val="75000"/>
+                  </a:schemeClr>
+                </a:solidFill>
+              </a:rPr>
+              <a:t>ao desempenho do programa</a:t>
+            </a:r>
           </a:p>
           <a:p>
             <a:r>
